--- a/ppt 16-9/0822.起来作事.pptx
+++ b/ppt 16-9/0822.起来作事.pptx
@@ -129,7 +129,7 @@
           <p:cNvPr id="2" name="标题 1">
             <a:extLst>
               <a:ext uri="{FF2B5EF4-FFF2-40B4-BE49-F238E27FC236}">
-                <a16:creationId xmlns:a16="http://schemas.microsoft.com/office/drawing/2014/main" id="{6216C216-F5CA-85E3-3091-73F715C74E45}"/>
+                <a16:creationId xmlns:a16="http://schemas.microsoft.com/office/drawing/2014/main" id="{23D4B1D4-5DF4-63E4-A813-430B02414C75}"/>
               </a:ext>
             </a:extLst>
           </p:cNvPr>
@@ -166,7 +166,7 @@
           <p:cNvPr id="3" name="副标题 2">
             <a:extLst>
               <a:ext uri="{FF2B5EF4-FFF2-40B4-BE49-F238E27FC236}">
-                <a16:creationId xmlns:a16="http://schemas.microsoft.com/office/drawing/2014/main" id="{483AB6D2-1D60-B302-DAC0-A5C1F95BFC32}"/>
+                <a16:creationId xmlns:a16="http://schemas.microsoft.com/office/drawing/2014/main" id="{274DE41E-7A8D-6A62-89F6-87E76C193615}"/>
               </a:ext>
             </a:extLst>
           </p:cNvPr>
@@ -236,7 +236,7 @@
           <p:cNvPr id="4" name="日期占位符 3">
             <a:extLst>
               <a:ext uri="{FF2B5EF4-FFF2-40B4-BE49-F238E27FC236}">
-                <a16:creationId xmlns:a16="http://schemas.microsoft.com/office/drawing/2014/main" id="{0A37A0E3-8C0A-8833-14CE-5D457E604DB8}"/>
+                <a16:creationId xmlns:a16="http://schemas.microsoft.com/office/drawing/2014/main" id="{B0DBF0F2-2658-1629-9023-720FAF2B075A}"/>
               </a:ext>
             </a:extLst>
           </p:cNvPr>
@@ -252,7 +252,7 @@
           <a:bodyPr/>
           <a:lstStyle/>
           <a:p>
-            <a:fld id="{B197A5D4-F4DD-4B94-9662-2359792C4848}" type="datetimeFigureOut">
+            <a:fld id="{0D3B25D4-5FB0-493F-B41A-387508EEC1F6}" type="datetimeFigureOut">
               <a:rPr lang="zh-CN" altLang="en-US" smtClean="0"/>
               <a:t>2024/3/10</a:t>
             </a:fld>
@@ -265,7 +265,7 @@
           <p:cNvPr id="5" name="页脚占位符 4">
             <a:extLst>
               <a:ext uri="{FF2B5EF4-FFF2-40B4-BE49-F238E27FC236}">
-                <a16:creationId xmlns:a16="http://schemas.microsoft.com/office/drawing/2014/main" id="{AC577236-1DDD-AB4A-5E25-8D8763F91943}"/>
+                <a16:creationId xmlns:a16="http://schemas.microsoft.com/office/drawing/2014/main" id="{B24DE063-225D-B9AF-F8CF-B493E6606510}"/>
               </a:ext>
             </a:extLst>
           </p:cNvPr>
@@ -290,7 +290,7 @@
           <p:cNvPr id="6" name="灯片编号占位符 5">
             <a:extLst>
               <a:ext uri="{FF2B5EF4-FFF2-40B4-BE49-F238E27FC236}">
-                <a16:creationId xmlns:a16="http://schemas.microsoft.com/office/drawing/2014/main" id="{4EB5425C-A9AA-E698-0752-5FC6F3A27C57}"/>
+                <a16:creationId xmlns:a16="http://schemas.microsoft.com/office/drawing/2014/main" id="{6262F3FE-22F0-85BC-3F58-7B0EA1C01C32}"/>
               </a:ext>
             </a:extLst>
           </p:cNvPr>
@@ -306,7 +306,7 @@
           <a:bodyPr/>
           <a:lstStyle/>
           <a:p>
-            <a:fld id="{FDB9349C-44D9-4EBF-BA6A-1BDC6557973C}" type="slidenum">
+            <a:fld id="{DD9774A6-1448-496B-97B7-FEA74DDD368C}" type="slidenum">
               <a:rPr lang="zh-CN" altLang="en-US" smtClean="0"/>
               <a:t>‹#›</a:t>
             </a:fld>
@@ -317,7 +317,7 @@
     </p:spTree>
     <p:extLst>
       <p:ext uri="{BB962C8B-B14F-4D97-AF65-F5344CB8AC3E}">
-        <p14:creationId xmlns:p14="http://schemas.microsoft.com/office/powerpoint/2010/main" val="3127254503"/>
+        <p14:creationId xmlns:p14="http://schemas.microsoft.com/office/powerpoint/2010/main" val="3916469623"/>
       </p:ext>
     </p:extLst>
   </p:cSld>
@@ -349,7 +349,7 @@
           <p:cNvPr id="2" name="标题 1">
             <a:extLst>
               <a:ext uri="{FF2B5EF4-FFF2-40B4-BE49-F238E27FC236}">
-                <a16:creationId xmlns:a16="http://schemas.microsoft.com/office/drawing/2014/main" id="{2DF02AF9-30F1-E69D-D348-84288507273A}"/>
+                <a16:creationId xmlns:a16="http://schemas.microsoft.com/office/drawing/2014/main" id="{15A30900-F892-1521-AE93-9AAC79C2348A}"/>
               </a:ext>
             </a:extLst>
           </p:cNvPr>
@@ -377,7 +377,7 @@
           <p:cNvPr id="3" name="竖排文字占位符 2">
             <a:extLst>
               <a:ext uri="{FF2B5EF4-FFF2-40B4-BE49-F238E27FC236}">
-                <a16:creationId xmlns:a16="http://schemas.microsoft.com/office/drawing/2014/main" id="{8EABA1F5-E75A-C950-D2DA-1DC0AD226350}"/>
+                <a16:creationId xmlns:a16="http://schemas.microsoft.com/office/drawing/2014/main" id="{3FD8CC92-6B47-D552-94EF-F1D1E65B16BD}"/>
               </a:ext>
             </a:extLst>
           </p:cNvPr>
@@ -434,7 +434,7 @@
           <p:cNvPr id="4" name="日期占位符 3">
             <a:extLst>
               <a:ext uri="{FF2B5EF4-FFF2-40B4-BE49-F238E27FC236}">
-                <a16:creationId xmlns:a16="http://schemas.microsoft.com/office/drawing/2014/main" id="{40C50EBB-9F83-CD26-D198-AB034423D1B9}"/>
+                <a16:creationId xmlns:a16="http://schemas.microsoft.com/office/drawing/2014/main" id="{710FBB6A-02E3-727C-4745-FB04707B984A}"/>
               </a:ext>
             </a:extLst>
           </p:cNvPr>
@@ -450,7 +450,7 @@
           <a:bodyPr/>
           <a:lstStyle/>
           <a:p>
-            <a:fld id="{B197A5D4-F4DD-4B94-9662-2359792C4848}" type="datetimeFigureOut">
+            <a:fld id="{0D3B25D4-5FB0-493F-B41A-387508EEC1F6}" type="datetimeFigureOut">
               <a:rPr lang="zh-CN" altLang="en-US" smtClean="0"/>
               <a:t>2024/3/10</a:t>
             </a:fld>
@@ -463,7 +463,7 @@
           <p:cNvPr id="5" name="页脚占位符 4">
             <a:extLst>
               <a:ext uri="{FF2B5EF4-FFF2-40B4-BE49-F238E27FC236}">
-                <a16:creationId xmlns:a16="http://schemas.microsoft.com/office/drawing/2014/main" id="{6E956BB7-7130-024F-EEE5-0779E1EC8AE1}"/>
+                <a16:creationId xmlns:a16="http://schemas.microsoft.com/office/drawing/2014/main" id="{B67FD301-E798-CA19-A3E2-D5B8BCBDA35A}"/>
               </a:ext>
             </a:extLst>
           </p:cNvPr>
@@ -488,7 +488,7 @@
           <p:cNvPr id="6" name="灯片编号占位符 5">
             <a:extLst>
               <a:ext uri="{FF2B5EF4-FFF2-40B4-BE49-F238E27FC236}">
-                <a16:creationId xmlns:a16="http://schemas.microsoft.com/office/drawing/2014/main" id="{18DAA063-5240-4456-CB32-C9E11D4D0F98}"/>
+                <a16:creationId xmlns:a16="http://schemas.microsoft.com/office/drawing/2014/main" id="{DDE3CFFA-F92A-24C0-D4E8-DEB5662EA309}"/>
               </a:ext>
             </a:extLst>
           </p:cNvPr>
@@ -504,7 +504,7 @@
           <a:bodyPr/>
           <a:lstStyle/>
           <a:p>
-            <a:fld id="{FDB9349C-44D9-4EBF-BA6A-1BDC6557973C}" type="slidenum">
+            <a:fld id="{DD9774A6-1448-496B-97B7-FEA74DDD368C}" type="slidenum">
               <a:rPr lang="zh-CN" altLang="en-US" smtClean="0"/>
               <a:t>‹#›</a:t>
             </a:fld>
@@ -515,7 +515,7 @@
     </p:spTree>
     <p:extLst>
       <p:ext uri="{BB962C8B-B14F-4D97-AF65-F5344CB8AC3E}">
-        <p14:creationId xmlns:p14="http://schemas.microsoft.com/office/powerpoint/2010/main" val="2392354674"/>
+        <p14:creationId xmlns:p14="http://schemas.microsoft.com/office/powerpoint/2010/main" val="2364981489"/>
       </p:ext>
     </p:extLst>
   </p:cSld>
@@ -547,7 +547,7 @@
           <p:cNvPr id="2" name="竖排标题 1">
             <a:extLst>
               <a:ext uri="{FF2B5EF4-FFF2-40B4-BE49-F238E27FC236}">
-                <a16:creationId xmlns:a16="http://schemas.microsoft.com/office/drawing/2014/main" id="{5E482FB9-0A89-E033-5108-39CF15781FC9}"/>
+                <a16:creationId xmlns:a16="http://schemas.microsoft.com/office/drawing/2014/main" id="{BDC1E5EE-4521-419E-3B7C-95FF3C22D77F}"/>
               </a:ext>
             </a:extLst>
           </p:cNvPr>
@@ -580,7 +580,7 @@
           <p:cNvPr id="3" name="竖排文字占位符 2">
             <a:extLst>
               <a:ext uri="{FF2B5EF4-FFF2-40B4-BE49-F238E27FC236}">
-                <a16:creationId xmlns:a16="http://schemas.microsoft.com/office/drawing/2014/main" id="{952AE6AE-DE3B-9D6F-A121-1F932226D92D}"/>
+                <a16:creationId xmlns:a16="http://schemas.microsoft.com/office/drawing/2014/main" id="{BA4DA875-602F-9723-BBC6-C0990001C1E6}"/>
               </a:ext>
             </a:extLst>
           </p:cNvPr>
@@ -642,7 +642,7 @@
           <p:cNvPr id="4" name="日期占位符 3">
             <a:extLst>
               <a:ext uri="{FF2B5EF4-FFF2-40B4-BE49-F238E27FC236}">
-                <a16:creationId xmlns:a16="http://schemas.microsoft.com/office/drawing/2014/main" id="{8E03C99F-4253-8A67-0EFC-8DE57C61D4BA}"/>
+                <a16:creationId xmlns:a16="http://schemas.microsoft.com/office/drawing/2014/main" id="{E95AC560-F82D-032F-A0F9-402ADE572ABB}"/>
               </a:ext>
             </a:extLst>
           </p:cNvPr>
@@ -658,7 +658,7 @@
           <a:bodyPr/>
           <a:lstStyle/>
           <a:p>
-            <a:fld id="{B197A5D4-F4DD-4B94-9662-2359792C4848}" type="datetimeFigureOut">
+            <a:fld id="{0D3B25D4-5FB0-493F-B41A-387508EEC1F6}" type="datetimeFigureOut">
               <a:rPr lang="zh-CN" altLang="en-US" smtClean="0"/>
               <a:t>2024/3/10</a:t>
             </a:fld>
@@ -671,7 +671,7 @@
           <p:cNvPr id="5" name="页脚占位符 4">
             <a:extLst>
               <a:ext uri="{FF2B5EF4-FFF2-40B4-BE49-F238E27FC236}">
-                <a16:creationId xmlns:a16="http://schemas.microsoft.com/office/drawing/2014/main" id="{E22D9E9B-57BE-9E25-E614-C1A98DA80DF2}"/>
+                <a16:creationId xmlns:a16="http://schemas.microsoft.com/office/drawing/2014/main" id="{BDA0BC55-D362-49F6-C65B-71449DBDA6DC}"/>
               </a:ext>
             </a:extLst>
           </p:cNvPr>
@@ -696,7 +696,7 @@
           <p:cNvPr id="6" name="灯片编号占位符 5">
             <a:extLst>
               <a:ext uri="{FF2B5EF4-FFF2-40B4-BE49-F238E27FC236}">
-                <a16:creationId xmlns:a16="http://schemas.microsoft.com/office/drawing/2014/main" id="{0FF27678-FE9A-5709-0308-7A87AD961E0A}"/>
+                <a16:creationId xmlns:a16="http://schemas.microsoft.com/office/drawing/2014/main" id="{F0D747E6-1BC1-5694-19F7-83A396116640}"/>
               </a:ext>
             </a:extLst>
           </p:cNvPr>
@@ -712,7 +712,7 @@
           <a:bodyPr/>
           <a:lstStyle/>
           <a:p>
-            <a:fld id="{FDB9349C-44D9-4EBF-BA6A-1BDC6557973C}" type="slidenum">
+            <a:fld id="{DD9774A6-1448-496B-97B7-FEA74DDD368C}" type="slidenum">
               <a:rPr lang="zh-CN" altLang="en-US" smtClean="0"/>
               <a:t>‹#›</a:t>
             </a:fld>
@@ -723,7 +723,7 @@
     </p:spTree>
     <p:extLst>
       <p:ext uri="{BB962C8B-B14F-4D97-AF65-F5344CB8AC3E}">
-        <p14:creationId xmlns:p14="http://schemas.microsoft.com/office/powerpoint/2010/main" val="247211756"/>
+        <p14:creationId xmlns:p14="http://schemas.microsoft.com/office/powerpoint/2010/main" val="3082333253"/>
       </p:ext>
     </p:extLst>
   </p:cSld>
@@ -755,7 +755,7 @@
           <p:cNvPr id="2" name="标题 1">
             <a:extLst>
               <a:ext uri="{FF2B5EF4-FFF2-40B4-BE49-F238E27FC236}">
-                <a16:creationId xmlns:a16="http://schemas.microsoft.com/office/drawing/2014/main" id="{B18C1D85-973D-D408-A770-CC41916B0EFD}"/>
+                <a16:creationId xmlns:a16="http://schemas.microsoft.com/office/drawing/2014/main" id="{957A0BE1-16C1-BCB5-A0A8-5D35B1D3AB7A}"/>
               </a:ext>
             </a:extLst>
           </p:cNvPr>
@@ -783,7 +783,7 @@
           <p:cNvPr id="3" name="内容占位符 2">
             <a:extLst>
               <a:ext uri="{FF2B5EF4-FFF2-40B4-BE49-F238E27FC236}">
-                <a16:creationId xmlns:a16="http://schemas.microsoft.com/office/drawing/2014/main" id="{6479AB54-1156-23A8-82B8-2F929B176423}"/>
+                <a16:creationId xmlns:a16="http://schemas.microsoft.com/office/drawing/2014/main" id="{24DDEC68-D355-2C73-8966-D81A7D4002F9}"/>
               </a:ext>
             </a:extLst>
           </p:cNvPr>
@@ -840,7 +840,7 @@
           <p:cNvPr id="4" name="日期占位符 3">
             <a:extLst>
               <a:ext uri="{FF2B5EF4-FFF2-40B4-BE49-F238E27FC236}">
-                <a16:creationId xmlns:a16="http://schemas.microsoft.com/office/drawing/2014/main" id="{E637EE3E-DDE5-CE3A-2279-27023CB88512}"/>
+                <a16:creationId xmlns:a16="http://schemas.microsoft.com/office/drawing/2014/main" id="{0147C5AC-B9E0-7801-0210-686F1FD24360}"/>
               </a:ext>
             </a:extLst>
           </p:cNvPr>
@@ -856,7 +856,7 @@
           <a:bodyPr/>
           <a:lstStyle/>
           <a:p>
-            <a:fld id="{B197A5D4-F4DD-4B94-9662-2359792C4848}" type="datetimeFigureOut">
+            <a:fld id="{0D3B25D4-5FB0-493F-B41A-387508EEC1F6}" type="datetimeFigureOut">
               <a:rPr lang="zh-CN" altLang="en-US" smtClean="0"/>
               <a:t>2024/3/10</a:t>
             </a:fld>
@@ -869,7 +869,7 @@
           <p:cNvPr id="5" name="页脚占位符 4">
             <a:extLst>
               <a:ext uri="{FF2B5EF4-FFF2-40B4-BE49-F238E27FC236}">
-                <a16:creationId xmlns:a16="http://schemas.microsoft.com/office/drawing/2014/main" id="{CE9452AA-F458-33A9-3C5A-E46D29AF8147}"/>
+                <a16:creationId xmlns:a16="http://schemas.microsoft.com/office/drawing/2014/main" id="{4CD71E3F-4A6A-AEE4-9220-47CCE969EA80}"/>
               </a:ext>
             </a:extLst>
           </p:cNvPr>
@@ -894,7 +894,7 @@
           <p:cNvPr id="6" name="灯片编号占位符 5">
             <a:extLst>
               <a:ext uri="{FF2B5EF4-FFF2-40B4-BE49-F238E27FC236}">
-                <a16:creationId xmlns:a16="http://schemas.microsoft.com/office/drawing/2014/main" id="{DBC95098-906B-8F9A-F43A-B5B3F2BC8F80}"/>
+                <a16:creationId xmlns:a16="http://schemas.microsoft.com/office/drawing/2014/main" id="{EBDD0379-5061-5B31-6CCE-8D15002D8352}"/>
               </a:ext>
             </a:extLst>
           </p:cNvPr>
@@ -910,7 +910,7 @@
           <a:bodyPr/>
           <a:lstStyle/>
           <a:p>
-            <a:fld id="{FDB9349C-44D9-4EBF-BA6A-1BDC6557973C}" type="slidenum">
+            <a:fld id="{DD9774A6-1448-496B-97B7-FEA74DDD368C}" type="slidenum">
               <a:rPr lang="zh-CN" altLang="en-US" smtClean="0"/>
               <a:t>‹#›</a:t>
             </a:fld>
@@ -921,7 +921,7 @@
     </p:spTree>
     <p:extLst>
       <p:ext uri="{BB962C8B-B14F-4D97-AF65-F5344CB8AC3E}">
-        <p14:creationId xmlns:p14="http://schemas.microsoft.com/office/powerpoint/2010/main" val="4090810551"/>
+        <p14:creationId xmlns:p14="http://schemas.microsoft.com/office/powerpoint/2010/main" val="3478552059"/>
       </p:ext>
     </p:extLst>
   </p:cSld>
@@ -953,7 +953,7 @@
           <p:cNvPr id="2" name="标题 1">
             <a:extLst>
               <a:ext uri="{FF2B5EF4-FFF2-40B4-BE49-F238E27FC236}">
-                <a16:creationId xmlns:a16="http://schemas.microsoft.com/office/drawing/2014/main" id="{495B2E71-1A70-9215-9065-7DB4A8013797}"/>
+                <a16:creationId xmlns:a16="http://schemas.microsoft.com/office/drawing/2014/main" id="{2AC10850-960B-5EB7-BA61-F479B07DA19D}"/>
               </a:ext>
             </a:extLst>
           </p:cNvPr>
@@ -990,7 +990,7 @@
           <p:cNvPr id="3" name="文本占位符 2">
             <a:extLst>
               <a:ext uri="{FF2B5EF4-FFF2-40B4-BE49-F238E27FC236}">
-                <a16:creationId xmlns:a16="http://schemas.microsoft.com/office/drawing/2014/main" id="{78052EE6-D9BE-BD4A-DBCA-323A230ED325}"/>
+                <a16:creationId xmlns:a16="http://schemas.microsoft.com/office/drawing/2014/main" id="{F94EB098-676F-958F-CAA1-1FEFE2386AC3}"/>
               </a:ext>
             </a:extLst>
           </p:cNvPr>
@@ -1115,7 +1115,7 @@
           <p:cNvPr id="4" name="日期占位符 3">
             <a:extLst>
               <a:ext uri="{FF2B5EF4-FFF2-40B4-BE49-F238E27FC236}">
-                <a16:creationId xmlns:a16="http://schemas.microsoft.com/office/drawing/2014/main" id="{BFF536F1-4EF1-0E57-6935-BCA14C3D39C8}"/>
+                <a16:creationId xmlns:a16="http://schemas.microsoft.com/office/drawing/2014/main" id="{4580FE4F-4D84-DDF7-A966-E2D25387E59A}"/>
               </a:ext>
             </a:extLst>
           </p:cNvPr>
@@ -1131,7 +1131,7 @@
           <a:bodyPr/>
           <a:lstStyle/>
           <a:p>
-            <a:fld id="{B197A5D4-F4DD-4B94-9662-2359792C4848}" type="datetimeFigureOut">
+            <a:fld id="{0D3B25D4-5FB0-493F-B41A-387508EEC1F6}" type="datetimeFigureOut">
               <a:rPr lang="zh-CN" altLang="en-US" smtClean="0"/>
               <a:t>2024/3/10</a:t>
             </a:fld>
@@ -1144,7 +1144,7 @@
           <p:cNvPr id="5" name="页脚占位符 4">
             <a:extLst>
               <a:ext uri="{FF2B5EF4-FFF2-40B4-BE49-F238E27FC236}">
-                <a16:creationId xmlns:a16="http://schemas.microsoft.com/office/drawing/2014/main" id="{13581E80-C0E2-4C34-7306-357C4FB1F76D}"/>
+                <a16:creationId xmlns:a16="http://schemas.microsoft.com/office/drawing/2014/main" id="{BA941C8D-1648-6BE7-FDD9-8499CF096062}"/>
               </a:ext>
             </a:extLst>
           </p:cNvPr>
@@ -1169,7 +1169,7 @@
           <p:cNvPr id="6" name="灯片编号占位符 5">
             <a:extLst>
               <a:ext uri="{FF2B5EF4-FFF2-40B4-BE49-F238E27FC236}">
-                <a16:creationId xmlns:a16="http://schemas.microsoft.com/office/drawing/2014/main" id="{C5674BC6-0DAA-0F88-1476-25D2E16C03F0}"/>
+                <a16:creationId xmlns:a16="http://schemas.microsoft.com/office/drawing/2014/main" id="{10AA6F01-05E7-2FAE-AB09-C6E8A54A1710}"/>
               </a:ext>
             </a:extLst>
           </p:cNvPr>
@@ -1185,7 +1185,7 @@
           <a:bodyPr/>
           <a:lstStyle/>
           <a:p>
-            <a:fld id="{FDB9349C-44D9-4EBF-BA6A-1BDC6557973C}" type="slidenum">
+            <a:fld id="{DD9774A6-1448-496B-97B7-FEA74DDD368C}" type="slidenum">
               <a:rPr lang="zh-CN" altLang="en-US" smtClean="0"/>
               <a:t>‹#›</a:t>
             </a:fld>
@@ -1196,7 +1196,7 @@
     </p:spTree>
     <p:extLst>
       <p:ext uri="{BB962C8B-B14F-4D97-AF65-F5344CB8AC3E}">
-        <p14:creationId xmlns:p14="http://schemas.microsoft.com/office/powerpoint/2010/main" val="1633832103"/>
+        <p14:creationId xmlns:p14="http://schemas.microsoft.com/office/powerpoint/2010/main" val="93977969"/>
       </p:ext>
     </p:extLst>
   </p:cSld>
@@ -1228,7 +1228,7 @@
           <p:cNvPr id="2" name="标题 1">
             <a:extLst>
               <a:ext uri="{FF2B5EF4-FFF2-40B4-BE49-F238E27FC236}">
-                <a16:creationId xmlns:a16="http://schemas.microsoft.com/office/drawing/2014/main" id="{7F434276-AAA1-558B-79A0-5101AA1FB4DB}"/>
+                <a16:creationId xmlns:a16="http://schemas.microsoft.com/office/drawing/2014/main" id="{0B1A5292-8BD0-EDBC-21E1-BCF71A845CE4}"/>
               </a:ext>
             </a:extLst>
           </p:cNvPr>
@@ -1256,7 +1256,7 @@
           <p:cNvPr id="3" name="内容占位符 2">
             <a:extLst>
               <a:ext uri="{FF2B5EF4-FFF2-40B4-BE49-F238E27FC236}">
-                <a16:creationId xmlns:a16="http://schemas.microsoft.com/office/drawing/2014/main" id="{3487A5EE-6B76-8E23-FFF9-C64081F15EDB}"/>
+                <a16:creationId xmlns:a16="http://schemas.microsoft.com/office/drawing/2014/main" id="{3D9544B1-9107-CA47-7558-0426799FA9FE}"/>
               </a:ext>
             </a:extLst>
           </p:cNvPr>
@@ -1318,7 +1318,7 @@
           <p:cNvPr id="4" name="内容占位符 3">
             <a:extLst>
               <a:ext uri="{FF2B5EF4-FFF2-40B4-BE49-F238E27FC236}">
-                <a16:creationId xmlns:a16="http://schemas.microsoft.com/office/drawing/2014/main" id="{CE7D802C-0EDB-3449-FEFE-E0D5897C6344}"/>
+                <a16:creationId xmlns:a16="http://schemas.microsoft.com/office/drawing/2014/main" id="{F249434E-3607-D6D5-4F4D-6A9C9C625A6D}"/>
               </a:ext>
             </a:extLst>
           </p:cNvPr>
@@ -1380,7 +1380,7 @@
           <p:cNvPr id="5" name="日期占位符 4">
             <a:extLst>
               <a:ext uri="{FF2B5EF4-FFF2-40B4-BE49-F238E27FC236}">
-                <a16:creationId xmlns:a16="http://schemas.microsoft.com/office/drawing/2014/main" id="{8970E1E3-E69B-BA34-1454-D0903B0D38B9}"/>
+                <a16:creationId xmlns:a16="http://schemas.microsoft.com/office/drawing/2014/main" id="{A3EBC99D-E8A3-54D3-C3CA-684B1E3B4A91}"/>
               </a:ext>
             </a:extLst>
           </p:cNvPr>
@@ -1396,7 +1396,7 @@
           <a:bodyPr/>
           <a:lstStyle/>
           <a:p>
-            <a:fld id="{B197A5D4-F4DD-4B94-9662-2359792C4848}" type="datetimeFigureOut">
+            <a:fld id="{0D3B25D4-5FB0-493F-B41A-387508EEC1F6}" type="datetimeFigureOut">
               <a:rPr lang="zh-CN" altLang="en-US" smtClean="0"/>
               <a:t>2024/3/10</a:t>
             </a:fld>
@@ -1409,7 +1409,7 @@
           <p:cNvPr id="6" name="页脚占位符 5">
             <a:extLst>
               <a:ext uri="{FF2B5EF4-FFF2-40B4-BE49-F238E27FC236}">
-                <a16:creationId xmlns:a16="http://schemas.microsoft.com/office/drawing/2014/main" id="{32EA77C9-0FD9-2BD3-B81E-ABA766B601F5}"/>
+                <a16:creationId xmlns:a16="http://schemas.microsoft.com/office/drawing/2014/main" id="{566E9C24-00AF-C4B8-F5F5-78D322910247}"/>
               </a:ext>
             </a:extLst>
           </p:cNvPr>
@@ -1434,7 +1434,7 @@
           <p:cNvPr id="7" name="灯片编号占位符 6">
             <a:extLst>
               <a:ext uri="{FF2B5EF4-FFF2-40B4-BE49-F238E27FC236}">
-                <a16:creationId xmlns:a16="http://schemas.microsoft.com/office/drawing/2014/main" id="{B2DA750C-C06E-0DC5-75E2-B8CC224A261A}"/>
+                <a16:creationId xmlns:a16="http://schemas.microsoft.com/office/drawing/2014/main" id="{2E6119D8-420A-C646-653D-81FDE14D88BF}"/>
               </a:ext>
             </a:extLst>
           </p:cNvPr>
@@ -1450,7 +1450,7 @@
           <a:bodyPr/>
           <a:lstStyle/>
           <a:p>
-            <a:fld id="{FDB9349C-44D9-4EBF-BA6A-1BDC6557973C}" type="slidenum">
+            <a:fld id="{DD9774A6-1448-496B-97B7-FEA74DDD368C}" type="slidenum">
               <a:rPr lang="zh-CN" altLang="en-US" smtClean="0"/>
               <a:t>‹#›</a:t>
             </a:fld>
@@ -1461,7 +1461,7 @@
     </p:spTree>
     <p:extLst>
       <p:ext uri="{BB962C8B-B14F-4D97-AF65-F5344CB8AC3E}">
-        <p14:creationId xmlns:p14="http://schemas.microsoft.com/office/powerpoint/2010/main" val="2610044929"/>
+        <p14:creationId xmlns:p14="http://schemas.microsoft.com/office/powerpoint/2010/main" val="2024209128"/>
       </p:ext>
     </p:extLst>
   </p:cSld>
@@ -1493,7 +1493,7 @@
           <p:cNvPr id="2" name="标题 1">
             <a:extLst>
               <a:ext uri="{FF2B5EF4-FFF2-40B4-BE49-F238E27FC236}">
-                <a16:creationId xmlns:a16="http://schemas.microsoft.com/office/drawing/2014/main" id="{69560305-CC8F-18C4-74B5-82D70C0B86B5}"/>
+                <a16:creationId xmlns:a16="http://schemas.microsoft.com/office/drawing/2014/main" id="{E64DE901-0B14-B97C-FD91-CD52393D18D7}"/>
               </a:ext>
             </a:extLst>
           </p:cNvPr>
@@ -1526,7 +1526,7 @@
           <p:cNvPr id="3" name="文本占位符 2">
             <a:extLst>
               <a:ext uri="{FF2B5EF4-FFF2-40B4-BE49-F238E27FC236}">
-                <a16:creationId xmlns:a16="http://schemas.microsoft.com/office/drawing/2014/main" id="{E9954751-AD0E-DFF8-16EB-148B50FD8F71}"/>
+                <a16:creationId xmlns:a16="http://schemas.microsoft.com/office/drawing/2014/main" id="{99BB930B-5C73-7F12-254A-C693FD1DDB45}"/>
               </a:ext>
             </a:extLst>
           </p:cNvPr>
@@ -1597,7 +1597,7 @@
           <p:cNvPr id="4" name="内容占位符 3">
             <a:extLst>
               <a:ext uri="{FF2B5EF4-FFF2-40B4-BE49-F238E27FC236}">
-                <a16:creationId xmlns:a16="http://schemas.microsoft.com/office/drawing/2014/main" id="{5896E32A-02F6-EE81-4EFC-0C4272C078AE}"/>
+                <a16:creationId xmlns:a16="http://schemas.microsoft.com/office/drawing/2014/main" id="{A1EE6734-8AA1-5B7B-1F98-6C4E7A188C5A}"/>
               </a:ext>
             </a:extLst>
           </p:cNvPr>
@@ -1659,7 +1659,7 @@
           <p:cNvPr id="5" name="文本占位符 4">
             <a:extLst>
               <a:ext uri="{FF2B5EF4-FFF2-40B4-BE49-F238E27FC236}">
-                <a16:creationId xmlns:a16="http://schemas.microsoft.com/office/drawing/2014/main" id="{0A74C86A-F8FA-17AC-8488-EFF0F6A28468}"/>
+                <a16:creationId xmlns:a16="http://schemas.microsoft.com/office/drawing/2014/main" id="{B1A651EA-B22A-CD3B-1AF6-8A3938FE4044}"/>
               </a:ext>
             </a:extLst>
           </p:cNvPr>
@@ -1730,7 +1730,7 @@
           <p:cNvPr id="6" name="内容占位符 5">
             <a:extLst>
               <a:ext uri="{FF2B5EF4-FFF2-40B4-BE49-F238E27FC236}">
-                <a16:creationId xmlns:a16="http://schemas.microsoft.com/office/drawing/2014/main" id="{2A7F3499-4A6E-CFF5-AB75-1EECFEFC483C}"/>
+                <a16:creationId xmlns:a16="http://schemas.microsoft.com/office/drawing/2014/main" id="{CBCCB13F-ABD8-5579-74FA-7ABE26B7EEF7}"/>
               </a:ext>
             </a:extLst>
           </p:cNvPr>
@@ -1792,7 +1792,7 @@
           <p:cNvPr id="7" name="日期占位符 6">
             <a:extLst>
               <a:ext uri="{FF2B5EF4-FFF2-40B4-BE49-F238E27FC236}">
-                <a16:creationId xmlns:a16="http://schemas.microsoft.com/office/drawing/2014/main" id="{2E82B637-CCFB-6277-20D8-B4B17A415881}"/>
+                <a16:creationId xmlns:a16="http://schemas.microsoft.com/office/drawing/2014/main" id="{20F21D64-932D-D1FC-BDE8-32C17E3564D7}"/>
               </a:ext>
             </a:extLst>
           </p:cNvPr>
@@ -1808,7 +1808,7 @@
           <a:bodyPr/>
           <a:lstStyle/>
           <a:p>
-            <a:fld id="{B197A5D4-F4DD-4B94-9662-2359792C4848}" type="datetimeFigureOut">
+            <a:fld id="{0D3B25D4-5FB0-493F-B41A-387508EEC1F6}" type="datetimeFigureOut">
               <a:rPr lang="zh-CN" altLang="en-US" smtClean="0"/>
               <a:t>2024/3/10</a:t>
             </a:fld>
@@ -1821,7 +1821,7 @@
           <p:cNvPr id="8" name="页脚占位符 7">
             <a:extLst>
               <a:ext uri="{FF2B5EF4-FFF2-40B4-BE49-F238E27FC236}">
-                <a16:creationId xmlns:a16="http://schemas.microsoft.com/office/drawing/2014/main" id="{64DC0BC7-F494-FD61-66B9-BCA5F3B4126E}"/>
+                <a16:creationId xmlns:a16="http://schemas.microsoft.com/office/drawing/2014/main" id="{FCB9A209-3821-2759-0C4D-872EB3A6AB10}"/>
               </a:ext>
             </a:extLst>
           </p:cNvPr>
@@ -1846,7 +1846,7 @@
           <p:cNvPr id="9" name="灯片编号占位符 8">
             <a:extLst>
               <a:ext uri="{FF2B5EF4-FFF2-40B4-BE49-F238E27FC236}">
-                <a16:creationId xmlns:a16="http://schemas.microsoft.com/office/drawing/2014/main" id="{15A7DF85-96E6-9991-B1A6-6D985FF63E5C}"/>
+                <a16:creationId xmlns:a16="http://schemas.microsoft.com/office/drawing/2014/main" id="{7BBDB469-5BD0-0796-9FEA-0F53BF8FF657}"/>
               </a:ext>
             </a:extLst>
           </p:cNvPr>
@@ -1862,7 +1862,7 @@
           <a:bodyPr/>
           <a:lstStyle/>
           <a:p>
-            <a:fld id="{FDB9349C-44D9-4EBF-BA6A-1BDC6557973C}" type="slidenum">
+            <a:fld id="{DD9774A6-1448-496B-97B7-FEA74DDD368C}" type="slidenum">
               <a:rPr lang="zh-CN" altLang="en-US" smtClean="0"/>
               <a:t>‹#›</a:t>
             </a:fld>
@@ -1873,7 +1873,7 @@
     </p:spTree>
     <p:extLst>
       <p:ext uri="{BB962C8B-B14F-4D97-AF65-F5344CB8AC3E}">
-        <p14:creationId xmlns:p14="http://schemas.microsoft.com/office/powerpoint/2010/main" val="752078153"/>
+        <p14:creationId xmlns:p14="http://schemas.microsoft.com/office/powerpoint/2010/main" val="564353189"/>
       </p:ext>
     </p:extLst>
   </p:cSld>
@@ -1905,7 +1905,7 @@
           <p:cNvPr id="2" name="标题 1">
             <a:extLst>
               <a:ext uri="{FF2B5EF4-FFF2-40B4-BE49-F238E27FC236}">
-                <a16:creationId xmlns:a16="http://schemas.microsoft.com/office/drawing/2014/main" id="{823A0C51-EA1D-BB2F-B6FB-93F4200F8D13}"/>
+                <a16:creationId xmlns:a16="http://schemas.microsoft.com/office/drawing/2014/main" id="{F33489F4-33CA-0C5A-30D2-A8BEE968B7D0}"/>
               </a:ext>
             </a:extLst>
           </p:cNvPr>
@@ -1933,7 +1933,7 @@
           <p:cNvPr id="3" name="日期占位符 2">
             <a:extLst>
               <a:ext uri="{FF2B5EF4-FFF2-40B4-BE49-F238E27FC236}">
-                <a16:creationId xmlns:a16="http://schemas.microsoft.com/office/drawing/2014/main" id="{D769A720-529E-7A59-5B59-3EF480AE4577}"/>
+                <a16:creationId xmlns:a16="http://schemas.microsoft.com/office/drawing/2014/main" id="{B1C4E762-2AE3-DD6D-7CA8-3F6C08B6B6C6}"/>
               </a:ext>
             </a:extLst>
           </p:cNvPr>
@@ -1949,7 +1949,7 @@
           <a:bodyPr/>
           <a:lstStyle/>
           <a:p>
-            <a:fld id="{B197A5D4-F4DD-4B94-9662-2359792C4848}" type="datetimeFigureOut">
+            <a:fld id="{0D3B25D4-5FB0-493F-B41A-387508EEC1F6}" type="datetimeFigureOut">
               <a:rPr lang="zh-CN" altLang="en-US" smtClean="0"/>
               <a:t>2024/3/10</a:t>
             </a:fld>
@@ -1962,7 +1962,7 @@
           <p:cNvPr id="4" name="页脚占位符 3">
             <a:extLst>
               <a:ext uri="{FF2B5EF4-FFF2-40B4-BE49-F238E27FC236}">
-                <a16:creationId xmlns:a16="http://schemas.microsoft.com/office/drawing/2014/main" id="{2FC1D517-869C-F93D-E6B3-0A09FAF8E8E0}"/>
+                <a16:creationId xmlns:a16="http://schemas.microsoft.com/office/drawing/2014/main" id="{BC9DE93C-20AE-964D-3689-6B99329D06AD}"/>
               </a:ext>
             </a:extLst>
           </p:cNvPr>
@@ -1987,7 +1987,7 @@
           <p:cNvPr id="5" name="灯片编号占位符 4">
             <a:extLst>
               <a:ext uri="{FF2B5EF4-FFF2-40B4-BE49-F238E27FC236}">
-                <a16:creationId xmlns:a16="http://schemas.microsoft.com/office/drawing/2014/main" id="{27D718AE-AF14-E3FE-F4B4-43FE05F4BEB6}"/>
+                <a16:creationId xmlns:a16="http://schemas.microsoft.com/office/drawing/2014/main" id="{49E7CA61-F791-A2EC-7902-0C67ACCF8184}"/>
               </a:ext>
             </a:extLst>
           </p:cNvPr>
@@ -2003,7 +2003,7 @@
           <a:bodyPr/>
           <a:lstStyle/>
           <a:p>
-            <a:fld id="{FDB9349C-44D9-4EBF-BA6A-1BDC6557973C}" type="slidenum">
+            <a:fld id="{DD9774A6-1448-496B-97B7-FEA74DDD368C}" type="slidenum">
               <a:rPr lang="zh-CN" altLang="en-US" smtClean="0"/>
               <a:t>‹#›</a:t>
             </a:fld>
@@ -2014,7 +2014,7 @@
     </p:spTree>
     <p:extLst>
       <p:ext uri="{BB962C8B-B14F-4D97-AF65-F5344CB8AC3E}">
-        <p14:creationId xmlns:p14="http://schemas.microsoft.com/office/powerpoint/2010/main" val="506747161"/>
+        <p14:creationId xmlns:p14="http://schemas.microsoft.com/office/powerpoint/2010/main" val="953473801"/>
       </p:ext>
     </p:extLst>
   </p:cSld>
@@ -2046,7 +2046,7 @@
           <p:cNvPr id="2" name="日期占位符 1">
             <a:extLst>
               <a:ext uri="{FF2B5EF4-FFF2-40B4-BE49-F238E27FC236}">
-                <a16:creationId xmlns:a16="http://schemas.microsoft.com/office/drawing/2014/main" id="{1A653D84-B575-7798-9C59-486E895D1FE7}"/>
+                <a16:creationId xmlns:a16="http://schemas.microsoft.com/office/drawing/2014/main" id="{BF4DE2F1-A500-145D-9D21-BF94E2F5354C}"/>
               </a:ext>
             </a:extLst>
           </p:cNvPr>
@@ -2062,7 +2062,7 @@
           <a:bodyPr/>
           <a:lstStyle/>
           <a:p>
-            <a:fld id="{B197A5D4-F4DD-4B94-9662-2359792C4848}" type="datetimeFigureOut">
+            <a:fld id="{0D3B25D4-5FB0-493F-B41A-387508EEC1F6}" type="datetimeFigureOut">
               <a:rPr lang="zh-CN" altLang="en-US" smtClean="0"/>
               <a:t>2024/3/10</a:t>
             </a:fld>
@@ -2075,7 +2075,7 @@
           <p:cNvPr id="3" name="页脚占位符 2">
             <a:extLst>
               <a:ext uri="{FF2B5EF4-FFF2-40B4-BE49-F238E27FC236}">
-                <a16:creationId xmlns:a16="http://schemas.microsoft.com/office/drawing/2014/main" id="{1A6EF5E1-0AC7-E041-6781-D7B6CB521066}"/>
+                <a16:creationId xmlns:a16="http://schemas.microsoft.com/office/drawing/2014/main" id="{8A981DB9-560F-25FE-37A7-BBC7AC7F16E6}"/>
               </a:ext>
             </a:extLst>
           </p:cNvPr>
@@ -2100,7 +2100,7 @@
           <p:cNvPr id="4" name="灯片编号占位符 3">
             <a:extLst>
               <a:ext uri="{FF2B5EF4-FFF2-40B4-BE49-F238E27FC236}">
-                <a16:creationId xmlns:a16="http://schemas.microsoft.com/office/drawing/2014/main" id="{8C0BEA73-959D-AD47-1EF3-F7D557CD320A}"/>
+                <a16:creationId xmlns:a16="http://schemas.microsoft.com/office/drawing/2014/main" id="{B69693AA-5D93-ABA6-319E-D8FD779E4872}"/>
               </a:ext>
             </a:extLst>
           </p:cNvPr>
@@ -2116,7 +2116,7 @@
           <a:bodyPr/>
           <a:lstStyle/>
           <a:p>
-            <a:fld id="{FDB9349C-44D9-4EBF-BA6A-1BDC6557973C}" type="slidenum">
+            <a:fld id="{DD9774A6-1448-496B-97B7-FEA74DDD368C}" type="slidenum">
               <a:rPr lang="zh-CN" altLang="en-US" smtClean="0"/>
               <a:t>‹#›</a:t>
             </a:fld>
@@ -2127,7 +2127,7 @@
     </p:spTree>
     <p:extLst>
       <p:ext uri="{BB962C8B-B14F-4D97-AF65-F5344CB8AC3E}">
-        <p14:creationId xmlns:p14="http://schemas.microsoft.com/office/powerpoint/2010/main" val="466684660"/>
+        <p14:creationId xmlns:p14="http://schemas.microsoft.com/office/powerpoint/2010/main" val="1044876660"/>
       </p:ext>
     </p:extLst>
   </p:cSld>
@@ -2159,7 +2159,7 @@
           <p:cNvPr id="2" name="标题 1">
             <a:extLst>
               <a:ext uri="{FF2B5EF4-FFF2-40B4-BE49-F238E27FC236}">
-                <a16:creationId xmlns:a16="http://schemas.microsoft.com/office/drawing/2014/main" id="{86174A8F-6DD5-48EA-8D7E-88D4C7B0FC95}"/>
+                <a16:creationId xmlns:a16="http://schemas.microsoft.com/office/drawing/2014/main" id="{AFB8AB73-1CD2-1DC2-6D44-49A9AD95F7E3}"/>
               </a:ext>
             </a:extLst>
           </p:cNvPr>
@@ -2196,7 +2196,7 @@
           <p:cNvPr id="3" name="内容占位符 2">
             <a:extLst>
               <a:ext uri="{FF2B5EF4-FFF2-40B4-BE49-F238E27FC236}">
-                <a16:creationId xmlns:a16="http://schemas.microsoft.com/office/drawing/2014/main" id="{B7343984-BAD3-4C2D-4088-EDAC4F5FA34E}"/>
+                <a16:creationId xmlns:a16="http://schemas.microsoft.com/office/drawing/2014/main" id="{DCC4B512-ED45-D777-32DB-5BC5CDB3E3DD}"/>
               </a:ext>
             </a:extLst>
           </p:cNvPr>
@@ -2286,7 +2286,7 @@
           <p:cNvPr id="4" name="文本占位符 3">
             <a:extLst>
               <a:ext uri="{FF2B5EF4-FFF2-40B4-BE49-F238E27FC236}">
-                <a16:creationId xmlns:a16="http://schemas.microsoft.com/office/drawing/2014/main" id="{0AE42935-B897-344B-973E-B0AE32C88268}"/>
+                <a16:creationId xmlns:a16="http://schemas.microsoft.com/office/drawing/2014/main" id="{5E5B35A5-655B-B537-9D08-2A33ACB72445}"/>
               </a:ext>
             </a:extLst>
           </p:cNvPr>
@@ -2357,7 +2357,7 @@
           <p:cNvPr id="5" name="日期占位符 4">
             <a:extLst>
               <a:ext uri="{FF2B5EF4-FFF2-40B4-BE49-F238E27FC236}">
-                <a16:creationId xmlns:a16="http://schemas.microsoft.com/office/drawing/2014/main" id="{4BA1F524-C194-9DC0-9C58-6C414A977CFE}"/>
+                <a16:creationId xmlns:a16="http://schemas.microsoft.com/office/drawing/2014/main" id="{5879EFBC-65A0-2D66-3199-0D59ED3B2AA5}"/>
               </a:ext>
             </a:extLst>
           </p:cNvPr>
@@ -2373,7 +2373,7 @@
           <a:bodyPr/>
           <a:lstStyle/>
           <a:p>
-            <a:fld id="{B197A5D4-F4DD-4B94-9662-2359792C4848}" type="datetimeFigureOut">
+            <a:fld id="{0D3B25D4-5FB0-493F-B41A-387508EEC1F6}" type="datetimeFigureOut">
               <a:rPr lang="zh-CN" altLang="en-US" smtClean="0"/>
               <a:t>2024/3/10</a:t>
             </a:fld>
@@ -2386,7 +2386,7 @@
           <p:cNvPr id="6" name="页脚占位符 5">
             <a:extLst>
               <a:ext uri="{FF2B5EF4-FFF2-40B4-BE49-F238E27FC236}">
-                <a16:creationId xmlns:a16="http://schemas.microsoft.com/office/drawing/2014/main" id="{0F25A086-431A-F091-18A4-0AAD9A29933A}"/>
+                <a16:creationId xmlns:a16="http://schemas.microsoft.com/office/drawing/2014/main" id="{3E9FCC1E-2E2C-F55C-7172-C95435F58252}"/>
               </a:ext>
             </a:extLst>
           </p:cNvPr>
@@ -2411,7 +2411,7 @@
           <p:cNvPr id="7" name="灯片编号占位符 6">
             <a:extLst>
               <a:ext uri="{FF2B5EF4-FFF2-40B4-BE49-F238E27FC236}">
-                <a16:creationId xmlns:a16="http://schemas.microsoft.com/office/drawing/2014/main" id="{75D04010-2090-FFC4-8A76-D2851CB4B7B0}"/>
+                <a16:creationId xmlns:a16="http://schemas.microsoft.com/office/drawing/2014/main" id="{EC1F607F-F1E5-41C2-E708-1B5089393BD5}"/>
               </a:ext>
             </a:extLst>
           </p:cNvPr>
@@ -2427,7 +2427,7 @@
           <a:bodyPr/>
           <a:lstStyle/>
           <a:p>
-            <a:fld id="{FDB9349C-44D9-4EBF-BA6A-1BDC6557973C}" type="slidenum">
+            <a:fld id="{DD9774A6-1448-496B-97B7-FEA74DDD368C}" type="slidenum">
               <a:rPr lang="zh-CN" altLang="en-US" smtClean="0"/>
               <a:t>‹#›</a:t>
             </a:fld>
@@ -2438,7 +2438,7 @@
     </p:spTree>
     <p:extLst>
       <p:ext uri="{BB962C8B-B14F-4D97-AF65-F5344CB8AC3E}">
-        <p14:creationId xmlns:p14="http://schemas.microsoft.com/office/powerpoint/2010/main" val="3753733625"/>
+        <p14:creationId xmlns:p14="http://schemas.microsoft.com/office/powerpoint/2010/main" val="2804375976"/>
       </p:ext>
     </p:extLst>
   </p:cSld>
@@ -2470,7 +2470,7 @@
           <p:cNvPr id="2" name="标题 1">
             <a:extLst>
               <a:ext uri="{FF2B5EF4-FFF2-40B4-BE49-F238E27FC236}">
-                <a16:creationId xmlns:a16="http://schemas.microsoft.com/office/drawing/2014/main" id="{58683FCC-6EE8-3EFA-1D7D-7387F031B7FC}"/>
+                <a16:creationId xmlns:a16="http://schemas.microsoft.com/office/drawing/2014/main" id="{915843EE-47B8-A9BE-65E4-70B6570EFE67}"/>
               </a:ext>
             </a:extLst>
           </p:cNvPr>
@@ -2507,7 +2507,7 @@
           <p:cNvPr id="3" name="图片占位符 2">
             <a:extLst>
               <a:ext uri="{FF2B5EF4-FFF2-40B4-BE49-F238E27FC236}">
-                <a16:creationId xmlns:a16="http://schemas.microsoft.com/office/drawing/2014/main" id="{68B7585C-A1E1-A94E-27C5-2BEC98635BB8}"/>
+                <a16:creationId xmlns:a16="http://schemas.microsoft.com/office/drawing/2014/main" id="{66FD8223-1A9D-1372-51BF-7F4231C75E5C}"/>
               </a:ext>
             </a:extLst>
           </p:cNvPr>
@@ -2574,7 +2574,7 @@
           <p:cNvPr id="4" name="文本占位符 3">
             <a:extLst>
               <a:ext uri="{FF2B5EF4-FFF2-40B4-BE49-F238E27FC236}">
-                <a16:creationId xmlns:a16="http://schemas.microsoft.com/office/drawing/2014/main" id="{FF035C0A-A72B-CCBF-6571-F3B4CFF60C0B}"/>
+                <a16:creationId xmlns:a16="http://schemas.microsoft.com/office/drawing/2014/main" id="{04016D30-04C4-F250-B538-6028294B1366}"/>
               </a:ext>
             </a:extLst>
           </p:cNvPr>
@@ -2645,7 +2645,7 @@
           <p:cNvPr id="5" name="日期占位符 4">
             <a:extLst>
               <a:ext uri="{FF2B5EF4-FFF2-40B4-BE49-F238E27FC236}">
-                <a16:creationId xmlns:a16="http://schemas.microsoft.com/office/drawing/2014/main" id="{CE2697BE-E148-8D52-BE34-6D0B011138BF}"/>
+                <a16:creationId xmlns:a16="http://schemas.microsoft.com/office/drawing/2014/main" id="{B1662751-1526-FF43-8F2B-A6900FD79B3E}"/>
               </a:ext>
             </a:extLst>
           </p:cNvPr>
@@ -2661,7 +2661,7 @@
           <a:bodyPr/>
           <a:lstStyle/>
           <a:p>
-            <a:fld id="{B197A5D4-F4DD-4B94-9662-2359792C4848}" type="datetimeFigureOut">
+            <a:fld id="{0D3B25D4-5FB0-493F-B41A-387508EEC1F6}" type="datetimeFigureOut">
               <a:rPr lang="zh-CN" altLang="en-US" smtClean="0"/>
               <a:t>2024/3/10</a:t>
             </a:fld>
@@ -2674,7 +2674,7 @@
           <p:cNvPr id="6" name="页脚占位符 5">
             <a:extLst>
               <a:ext uri="{FF2B5EF4-FFF2-40B4-BE49-F238E27FC236}">
-                <a16:creationId xmlns:a16="http://schemas.microsoft.com/office/drawing/2014/main" id="{48DDF9F4-6371-C48F-E4CE-C1B7E7F1EAB6}"/>
+                <a16:creationId xmlns:a16="http://schemas.microsoft.com/office/drawing/2014/main" id="{A1261FAE-3E0F-2F42-2011-77C4F04F0687}"/>
               </a:ext>
             </a:extLst>
           </p:cNvPr>
@@ -2699,7 +2699,7 @@
           <p:cNvPr id="7" name="灯片编号占位符 6">
             <a:extLst>
               <a:ext uri="{FF2B5EF4-FFF2-40B4-BE49-F238E27FC236}">
-                <a16:creationId xmlns:a16="http://schemas.microsoft.com/office/drawing/2014/main" id="{2DF7A47F-ABB2-0B2E-4994-BAFB011109CE}"/>
+                <a16:creationId xmlns:a16="http://schemas.microsoft.com/office/drawing/2014/main" id="{44505019-2AFE-A346-F748-107B4037DAF2}"/>
               </a:ext>
             </a:extLst>
           </p:cNvPr>
@@ -2715,7 +2715,7 @@
           <a:bodyPr/>
           <a:lstStyle/>
           <a:p>
-            <a:fld id="{FDB9349C-44D9-4EBF-BA6A-1BDC6557973C}" type="slidenum">
+            <a:fld id="{DD9774A6-1448-496B-97B7-FEA74DDD368C}" type="slidenum">
               <a:rPr lang="zh-CN" altLang="en-US" smtClean="0"/>
               <a:t>‹#›</a:t>
             </a:fld>
@@ -2726,7 +2726,7 @@
     </p:spTree>
     <p:extLst>
       <p:ext uri="{BB962C8B-B14F-4D97-AF65-F5344CB8AC3E}">
-        <p14:creationId xmlns:p14="http://schemas.microsoft.com/office/powerpoint/2010/main" val="2296698387"/>
+        <p14:creationId xmlns:p14="http://schemas.microsoft.com/office/powerpoint/2010/main" val="2591057320"/>
       </p:ext>
     </p:extLst>
   </p:cSld>
@@ -2763,7 +2763,7 @@
           <p:cNvPr id="2" name="标题占位符 1">
             <a:extLst>
               <a:ext uri="{FF2B5EF4-FFF2-40B4-BE49-F238E27FC236}">
-                <a16:creationId xmlns:a16="http://schemas.microsoft.com/office/drawing/2014/main" id="{D5D0597D-2F1D-F21E-789F-6CBF87DAC696}"/>
+                <a16:creationId xmlns:a16="http://schemas.microsoft.com/office/drawing/2014/main" id="{170169EF-3531-4705-8256-87764C1DAA69}"/>
               </a:ext>
             </a:extLst>
           </p:cNvPr>
@@ -2801,7 +2801,7 @@
           <p:cNvPr id="3" name="文本占位符 2">
             <a:extLst>
               <a:ext uri="{FF2B5EF4-FFF2-40B4-BE49-F238E27FC236}">
-                <a16:creationId xmlns:a16="http://schemas.microsoft.com/office/drawing/2014/main" id="{1D492EF6-C9C5-AEA2-A67B-9C21F4E0D003}"/>
+                <a16:creationId xmlns:a16="http://schemas.microsoft.com/office/drawing/2014/main" id="{ADB17A49-C4DC-5261-9DBD-64D3F43986F7}"/>
               </a:ext>
             </a:extLst>
           </p:cNvPr>
@@ -2868,7 +2868,7 @@
           <p:cNvPr id="4" name="日期占位符 3">
             <a:extLst>
               <a:ext uri="{FF2B5EF4-FFF2-40B4-BE49-F238E27FC236}">
-                <a16:creationId xmlns:a16="http://schemas.microsoft.com/office/drawing/2014/main" id="{1C9B7774-6416-1E23-0D14-C1428484DD9E}"/>
+                <a16:creationId xmlns:a16="http://schemas.microsoft.com/office/drawing/2014/main" id="{2703AC5D-196A-02E9-530B-945120B0B665}"/>
               </a:ext>
             </a:extLst>
           </p:cNvPr>
@@ -2902,7 +2902,7 @@
             </a:lvl1pPr>
           </a:lstStyle>
           <a:p>
-            <a:fld id="{B197A5D4-F4DD-4B94-9662-2359792C4848}" type="datetimeFigureOut">
+            <a:fld id="{0D3B25D4-5FB0-493F-B41A-387508EEC1F6}" type="datetimeFigureOut">
               <a:rPr lang="zh-CN" altLang="en-US" smtClean="0"/>
               <a:t>2024/3/10</a:t>
             </a:fld>
@@ -2915,7 +2915,7 @@
           <p:cNvPr id="5" name="页脚占位符 4">
             <a:extLst>
               <a:ext uri="{FF2B5EF4-FFF2-40B4-BE49-F238E27FC236}">
-                <a16:creationId xmlns:a16="http://schemas.microsoft.com/office/drawing/2014/main" id="{4F585BC6-75A0-0A62-3425-1F937A845046}"/>
+                <a16:creationId xmlns:a16="http://schemas.microsoft.com/office/drawing/2014/main" id="{70BFE64F-F796-6A46-7451-54B14AE8734E}"/>
               </a:ext>
             </a:extLst>
           </p:cNvPr>
@@ -2958,7 +2958,7 @@
           <p:cNvPr id="6" name="灯片编号占位符 5">
             <a:extLst>
               <a:ext uri="{FF2B5EF4-FFF2-40B4-BE49-F238E27FC236}">
-                <a16:creationId xmlns:a16="http://schemas.microsoft.com/office/drawing/2014/main" id="{637D1377-10EF-EAB1-AD3F-C1C1CAF0284B}"/>
+                <a16:creationId xmlns:a16="http://schemas.microsoft.com/office/drawing/2014/main" id="{157C7863-0D1F-B35A-43AF-1EFE25DBF9F1}"/>
               </a:ext>
             </a:extLst>
           </p:cNvPr>
@@ -2992,7 +2992,7 @@
             </a:lvl1pPr>
           </a:lstStyle>
           <a:p>
-            <a:fld id="{FDB9349C-44D9-4EBF-BA6A-1BDC6557973C}" type="slidenum">
+            <a:fld id="{DD9774A6-1448-496B-97B7-FEA74DDD368C}" type="slidenum">
               <a:rPr lang="zh-CN" altLang="en-US" smtClean="0"/>
               <a:t>‹#›</a:t>
             </a:fld>
@@ -3003,7 +3003,7 @@
     </p:spTree>
     <p:extLst>
       <p:ext uri="{BB962C8B-B14F-4D97-AF65-F5344CB8AC3E}">
-        <p14:creationId xmlns:p14="http://schemas.microsoft.com/office/powerpoint/2010/main" val="2073024772"/>
+        <p14:creationId xmlns:p14="http://schemas.microsoft.com/office/powerpoint/2010/main" val="1352578678"/>
       </p:ext>
     </p:extLst>
   </p:cSld>
